--- a/Module1_Project.pptx
+++ b/Module1_Project.pptx
@@ -12,6 +12,10 @@
     <p:sldId id="262" r:id="rId6"/>
     <p:sldId id="260" r:id="rId7"/>
     <p:sldId id="259" r:id="rId8"/>
+    <p:sldId id="267" r:id="rId9"/>
+    <p:sldId id="268" r:id="rId10"/>
+    <p:sldId id="269" r:id="rId11"/>
+    <p:sldId id="266" r:id="rId12"/>
   </p:sldIdLst>
   <p:sldSz cx="12192000" cy="6858000"/>
   <p:notesSz cx="6858000" cy="9144000"/>
@@ -5884,6 +5888,158 @@
 </p:sld>
 </file>
 
+<file path=ppt/slides/slide10.xml><?xml version="1.0" encoding="utf-8"?>
+<p:sld xmlns:a="http://schemas.openxmlformats.org/drawingml/2006/main" xmlns:r="http://schemas.openxmlformats.org/officeDocument/2006/relationships" xmlns:p="http://schemas.openxmlformats.org/presentationml/2006/main">
+  <p:cSld>
+    <p:spTree>
+      <p:nvGrpSpPr>
+        <p:cNvPr id="1" name=""/>
+        <p:cNvGrpSpPr/>
+        <p:nvPr/>
+      </p:nvGrpSpPr>
+      <p:grpSpPr>
+        <a:xfrm>
+          <a:off x="0" y="0"/>
+          <a:ext cx="0" cy="0"/>
+          <a:chOff x="0" y="0"/>
+          <a:chExt cx="0" cy="0"/>
+        </a:xfrm>
+      </p:grpSpPr>
+      <p:sp>
+        <p:nvSpPr>
+          <p:cNvPr id="2" name="Title 1">
+            <a:extLst>
+              <a:ext uri="{FF2B5EF4-FFF2-40B4-BE49-F238E27FC236}">
+                <a16:creationId xmlns:a16="http://schemas.microsoft.com/office/drawing/2014/main" id="{276B9EED-3D3E-43E3-A502-BD1764F8FA65}"/>
+              </a:ext>
+            </a:extLst>
+          </p:cNvPr>
+          <p:cNvSpPr>
+            <a:spLocks noGrp="1"/>
+          </p:cNvSpPr>
+          <p:nvPr>
+            <p:ph type="title"/>
+          </p:nvPr>
+        </p:nvSpPr>
+        <p:spPr/>
+        <p:txBody>
+          <a:bodyPr/>
+          <a:lstStyle/>
+          <a:p>
+            <a:r>
+              <a:rPr lang="en-US" dirty="0"/>
+              <a:t>Recommendation #3</a:t>
+            </a:r>
+          </a:p>
+        </p:txBody>
+      </p:sp>
+      <p:sp>
+        <p:nvSpPr>
+          <p:cNvPr id="3" name="Content Placeholder 2">
+            <a:extLst>
+              <a:ext uri="{FF2B5EF4-FFF2-40B4-BE49-F238E27FC236}">
+                <a16:creationId xmlns:a16="http://schemas.microsoft.com/office/drawing/2014/main" id="{EB904EB6-F0EB-4E1D-ADBE-FC97AA1591A0}"/>
+              </a:ext>
+            </a:extLst>
+          </p:cNvPr>
+          <p:cNvSpPr>
+            <a:spLocks noGrp="1"/>
+          </p:cNvSpPr>
+          <p:nvPr>
+            <p:ph idx="1"/>
+          </p:nvPr>
+        </p:nvSpPr>
+        <p:spPr/>
+        <p:txBody>
+          <a:bodyPr>
+            <a:normAutofit/>
+          </a:bodyPr>
+          <a:lstStyle/>
+          <a:p>
+            <a:pPr algn="ctr"/>
+            <a:r>
+              <a:rPr lang="en-US" sz="2800" dirty="0"/>
+              <a:t>Examine genre popularity based on year in comparison to production budget </a:t>
+            </a:r>
+          </a:p>
+        </p:txBody>
+      </p:sp>
+    </p:spTree>
+    <p:extLst>
+      <p:ext uri="{BB962C8B-B14F-4D97-AF65-F5344CB8AC3E}">
+        <p14:creationId xmlns:p14="http://schemas.microsoft.com/office/powerpoint/2010/main" val="1779733946"/>
+      </p:ext>
+    </p:extLst>
+  </p:cSld>
+  <p:clrMapOvr>
+    <a:masterClrMapping/>
+  </p:clrMapOvr>
+</p:sld>
+</file>
+
+<file path=ppt/slides/slide11.xml><?xml version="1.0" encoding="utf-8"?>
+<p:sld xmlns:a="http://schemas.openxmlformats.org/drawingml/2006/main" xmlns:r="http://schemas.openxmlformats.org/officeDocument/2006/relationships" xmlns:p="http://schemas.openxmlformats.org/presentationml/2006/main">
+  <p:cSld>
+    <p:spTree>
+      <p:nvGrpSpPr>
+        <p:cNvPr id="1" name=""/>
+        <p:cNvGrpSpPr/>
+        <p:nvPr/>
+      </p:nvGrpSpPr>
+      <p:grpSpPr>
+        <a:xfrm>
+          <a:off x="0" y="0"/>
+          <a:ext cx="0" cy="0"/>
+          <a:chOff x="0" y="0"/>
+          <a:chExt cx="0" cy="0"/>
+        </a:xfrm>
+      </p:grpSpPr>
+      <p:sp>
+        <p:nvSpPr>
+          <p:cNvPr id="2" name="Title 1">
+            <a:extLst>
+              <a:ext uri="{FF2B5EF4-FFF2-40B4-BE49-F238E27FC236}">
+                <a16:creationId xmlns:a16="http://schemas.microsoft.com/office/drawing/2014/main" id="{25630C4D-693A-4295-9827-994CD4930B2A}"/>
+              </a:ext>
+            </a:extLst>
+          </p:cNvPr>
+          <p:cNvSpPr>
+            <a:spLocks noGrp="1"/>
+          </p:cNvSpPr>
+          <p:nvPr>
+            <p:ph type="title"/>
+          </p:nvPr>
+        </p:nvSpPr>
+        <p:spPr>
+          <a:xfrm>
+            <a:off x="1295402" y="2677767"/>
+            <a:ext cx="9601196" cy="1303867"/>
+          </a:xfrm>
+        </p:spPr>
+        <p:txBody>
+          <a:bodyPr/>
+          <a:lstStyle/>
+          <a:p>
+            <a:r>
+              <a:rPr lang="en-US" dirty="0"/>
+              <a:t>Thank You for Time!</a:t>
+            </a:r>
+          </a:p>
+        </p:txBody>
+      </p:sp>
+    </p:spTree>
+    <p:extLst>
+      <p:ext uri="{BB962C8B-B14F-4D97-AF65-F5344CB8AC3E}">
+        <p14:creationId xmlns:p14="http://schemas.microsoft.com/office/powerpoint/2010/main" val="2225692752"/>
+      </p:ext>
+    </p:extLst>
+  </p:cSld>
+  <p:clrMapOvr>
+    <a:masterClrMapping/>
+  </p:clrMapOvr>
+</p:sld>
+</file>
+
 <file path=ppt/slides/slide2.xml><?xml version="1.0" encoding="utf-8"?>
 <p:sld xmlns:a="http://schemas.openxmlformats.org/drawingml/2006/main" xmlns:r="http://schemas.openxmlformats.org/officeDocument/2006/relationships" xmlns:p="http://schemas.openxmlformats.org/presentationml/2006/main">
   <p:cSld>
@@ -7917,36 +8073,190 @@
               <a:t>I recommend pursing business venture into the movie industry. The movie industry is evolving with the times and more options may arise for ways content is provided to customers.</a:t>
             </a:r>
           </a:p>
-          <a:p>
-            <a:pPr marL="0" indent="0">
-              <a:buNone/>
-            </a:pPr>
-            <a:endParaRPr lang="en-US" dirty="0"/>
-          </a:p>
-          <a:p>
-            <a:pPr marL="0" indent="0">
-              <a:buNone/>
-            </a:pPr>
-            <a:r>
-              <a:rPr lang="en-US" i="1" dirty="0"/>
-              <a:t>Further Research:</a:t>
-            </a:r>
-          </a:p>
-          <a:p>
-            <a:pPr marL="0" indent="0">
-              <a:buNone/>
-            </a:pPr>
-            <a:r>
-              <a:rPr lang="en-US" i="1" dirty="0"/>
-              <a:t>I recommend further research into the exact parts of a production budget, streaming sites original content ratings as well as researching the best rated genre within industry. </a:t>
-            </a:r>
-          </a:p>
         </p:txBody>
       </p:sp>
     </p:spTree>
     <p:extLst>
       <p:ext uri="{BB962C8B-B14F-4D97-AF65-F5344CB8AC3E}">
         <p14:creationId xmlns:p14="http://schemas.microsoft.com/office/powerpoint/2010/main" val="703907463"/>
+      </p:ext>
+    </p:extLst>
+  </p:cSld>
+  <p:clrMapOvr>
+    <a:masterClrMapping/>
+  </p:clrMapOvr>
+</p:sld>
+</file>
+
+<file path=ppt/slides/slide8.xml><?xml version="1.0" encoding="utf-8"?>
+<p:sld xmlns:a="http://schemas.openxmlformats.org/drawingml/2006/main" xmlns:r="http://schemas.openxmlformats.org/officeDocument/2006/relationships" xmlns:p="http://schemas.openxmlformats.org/presentationml/2006/main">
+  <p:cSld>
+    <p:spTree>
+      <p:nvGrpSpPr>
+        <p:cNvPr id="1" name=""/>
+        <p:cNvGrpSpPr/>
+        <p:nvPr/>
+      </p:nvGrpSpPr>
+      <p:grpSpPr>
+        <a:xfrm>
+          <a:off x="0" y="0"/>
+          <a:ext cx="0" cy="0"/>
+          <a:chOff x="0" y="0"/>
+          <a:chExt cx="0" cy="0"/>
+        </a:xfrm>
+      </p:grpSpPr>
+      <p:sp>
+        <p:nvSpPr>
+          <p:cNvPr id="2" name="Title 1">
+            <a:extLst>
+              <a:ext uri="{FF2B5EF4-FFF2-40B4-BE49-F238E27FC236}">
+                <a16:creationId xmlns:a16="http://schemas.microsoft.com/office/drawing/2014/main" id="{2C086CE6-FB5B-4DFC-A2F9-A89729465689}"/>
+              </a:ext>
+            </a:extLst>
+          </p:cNvPr>
+          <p:cNvSpPr>
+            <a:spLocks noGrp="1"/>
+          </p:cNvSpPr>
+          <p:nvPr>
+            <p:ph type="title"/>
+          </p:nvPr>
+        </p:nvSpPr>
+        <p:spPr/>
+        <p:txBody>
+          <a:bodyPr/>
+          <a:lstStyle/>
+          <a:p>
+            <a:r>
+              <a:rPr lang="en-US" dirty="0"/>
+              <a:t>Recommendation #1</a:t>
+            </a:r>
+          </a:p>
+        </p:txBody>
+      </p:sp>
+      <p:sp>
+        <p:nvSpPr>
+          <p:cNvPr id="3" name="Content Placeholder 2">
+            <a:extLst>
+              <a:ext uri="{FF2B5EF4-FFF2-40B4-BE49-F238E27FC236}">
+                <a16:creationId xmlns:a16="http://schemas.microsoft.com/office/drawing/2014/main" id="{6291593D-8EA4-445C-8763-59B2F6CF1EFB}"/>
+              </a:ext>
+            </a:extLst>
+          </p:cNvPr>
+          <p:cNvSpPr>
+            <a:spLocks noGrp="1"/>
+          </p:cNvSpPr>
+          <p:nvPr>
+            <p:ph idx="1"/>
+          </p:nvPr>
+        </p:nvSpPr>
+        <p:spPr/>
+        <p:txBody>
+          <a:bodyPr>
+            <a:normAutofit/>
+          </a:bodyPr>
+          <a:lstStyle/>
+          <a:p>
+            <a:pPr algn="ctr"/>
+            <a:r>
+              <a:rPr lang="en-US" sz="2800" dirty="0"/>
+              <a:t>Focus efforts on worldwide movie market</a:t>
+            </a:r>
+          </a:p>
+        </p:txBody>
+      </p:sp>
+    </p:spTree>
+    <p:extLst>
+      <p:ext uri="{BB962C8B-B14F-4D97-AF65-F5344CB8AC3E}">
+        <p14:creationId xmlns:p14="http://schemas.microsoft.com/office/powerpoint/2010/main" val="1353838181"/>
+      </p:ext>
+    </p:extLst>
+  </p:cSld>
+  <p:clrMapOvr>
+    <a:masterClrMapping/>
+  </p:clrMapOvr>
+</p:sld>
+</file>
+
+<file path=ppt/slides/slide9.xml><?xml version="1.0" encoding="utf-8"?>
+<p:sld xmlns:a="http://schemas.openxmlformats.org/drawingml/2006/main" xmlns:r="http://schemas.openxmlformats.org/officeDocument/2006/relationships" xmlns:p="http://schemas.openxmlformats.org/presentationml/2006/main">
+  <p:cSld>
+    <p:spTree>
+      <p:nvGrpSpPr>
+        <p:cNvPr id="1" name=""/>
+        <p:cNvGrpSpPr/>
+        <p:nvPr/>
+      </p:nvGrpSpPr>
+      <p:grpSpPr>
+        <a:xfrm>
+          <a:off x="0" y="0"/>
+          <a:ext cx="0" cy="0"/>
+          <a:chOff x="0" y="0"/>
+          <a:chExt cx="0" cy="0"/>
+        </a:xfrm>
+      </p:grpSpPr>
+      <p:sp>
+        <p:nvSpPr>
+          <p:cNvPr id="2" name="Title 1">
+            <a:extLst>
+              <a:ext uri="{FF2B5EF4-FFF2-40B4-BE49-F238E27FC236}">
+                <a16:creationId xmlns:a16="http://schemas.microsoft.com/office/drawing/2014/main" id="{9AC02651-2267-4E99-BAA0-D202F43CF810}"/>
+              </a:ext>
+            </a:extLst>
+          </p:cNvPr>
+          <p:cNvSpPr>
+            <a:spLocks noGrp="1"/>
+          </p:cNvSpPr>
+          <p:nvPr>
+            <p:ph type="title"/>
+          </p:nvPr>
+        </p:nvSpPr>
+        <p:spPr/>
+        <p:txBody>
+          <a:bodyPr/>
+          <a:lstStyle/>
+          <a:p>
+            <a:r>
+              <a:rPr lang="en-US" dirty="0"/>
+              <a:t>Recommendation #2</a:t>
+            </a:r>
+          </a:p>
+        </p:txBody>
+      </p:sp>
+      <p:sp>
+        <p:nvSpPr>
+          <p:cNvPr id="3" name="Content Placeholder 2">
+            <a:extLst>
+              <a:ext uri="{FF2B5EF4-FFF2-40B4-BE49-F238E27FC236}">
+                <a16:creationId xmlns:a16="http://schemas.microsoft.com/office/drawing/2014/main" id="{AF4CA982-68F0-482E-BA45-6F6BDB20E42D}"/>
+              </a:ext>
+            </a:extLst>
+          </p:cNvPr>
+          <p:cNvSpPr>
+            <a:spLocks noGrp="1"/>
+          </p:cNvSpPr>
+          <p:nvPr>
+            <p:ph idx="1"/>
+          </p:nvPr>
+        </p:nvSpPr>
+        <p:spPr/>
+        <p:txBody>
+          <a:bodyPr>
+            <a:normAutofit/>
+          </a:bodyPr>
+          <a:lstStyle/>
+          <a:p>
+            <a:pPr algn="ctr"/>
+            <a:r>
+              <a:rPr lang="en-US" sz="2800" dirty="0"/>
+              <a:t>Determine what are the budget lines for a movie production</a:t>
+            </a:r>
+          </a:p>
+        </p:txBody>
+      </p:sp>
+    </p:spTree>
+    <p:extLst>
+      <p:ext uri="{BB962C8B-B14F-4D97-AF65-F5344CB8AC3E}">
+        <p14:creationId xmlns:p14="http://schemas.microsoft.com/office/powerpoint/2010/main" val="1669507179"/>
       </p:ext>
     </p:extLst>
   </p:cSld>
